--- a/wiald-workshop.pptx
+++ b/wiald-workshop.pptx
@@ -1433,7 +1433,7 @@
           <a:bodyPr lIns="0" rIns="0" tIns="0" bIns="0"/>
           <a:p>
             <a:pPr algn="r"/>
-            <a:fld id="{039DF396-B90E-4B26-9DDB-A4D6ABAD8E89}" type="slidenum">
+            <a:fld id="{494BC09F-992D-471B-BD0C-FECE904BA995}" type="slidenum">
               <a:rPr lang="en-US" sz="1400">
                 <a:latin typeface="Times New Roman"/>
               </a:rPr>
@@ -1982,13 +1982,7 @@
               <a:rPr lang="en-US" sz="2800">
                 <a:latin typeface="Arial"/>
               </a:rPr>
-              <a:t>$ git clone </a:t>
-            </a:r>
-            <a:r>
-              <a:rPr lang="en-US" sz="2800">
-                <a:latin typeface="Arial"/>
-              </a:rPr>
-              <a:t>https://github.com/u-t-autonomous/gridsim.git</a:t>
+              <a:t>$ git clone https://github.com/u-t-autonomous/workshop.git</a:t>
             </a:r>
             <a:endParaRPr/>
           </a:p>

--- a/wiald-workshop.pptx
+++ b/wiald-workshop.pptx
@@ -1433,7 +1433,7 @@
           <a:bodyPr lIns="0" rIns="0" tIns="0" bIns="0"/>
           <a:p>
             <a:pPr algn="r"/>
-            <a:fld id="{494BC09F-992D-471B-BD0C-FECE904BA995}" type="slidenum">
+            <a:fld id="{26F27BF3-7C01-4175-84F3-366AA6D932AF}" type="slidenum">
               <a:rPr lang="en-US" sz="1400">
                 <a:latin typeface="Times New Roman"/>
               </a:rPr>
@@ -1968,7 +1968,7 @@
               <a:rPr lang="en-US" sz="3200">
                 <a:latin typeface="Arial"/>
               </a:rPr>
-              <a:t>Clone gridsim repository and install pygame.</a:t>
+              <a:t>Clone the workshop repository and install dependencies.</a:t>
             </a:r>
             <a:endParaRPr/>
           </a:p>

--- a/wiald-workshop.pptx
+++ b/wiald-workshop.pptx
@@ -1433,7 +1433,7 @@
           <a:bodyPr lIns="0" rIns="0" tIns="0" bIns="0"/>
           <a:p>
             <a:pPr algn="r"/>
-            <a:fld id="{26F27BF3-7C01-4175-84F3-366AA6D932AF}" type="slidenum">
+            <a:fld id="{664901E0-2BC5-4AA1-A4A8-B252EE690951}" type="slidenum">
               <a:rPr lang="en-US" sz="1400">
                 <a:latin typeface="Times New Roman"/>
               </a:rPr>
